--- a/documentation/Wiki/content creation/wiki stuff.pptx
+++ b/documentation/Wiki/content creation/wiki stuff.pptx
@@ -4230,7 +4230,7 @@
           <a:p>
             <a:fld id="{F82D93C1-51C6-4BAC-BE51-B3905D2C4D02}" type="datetimeFigureOut">
               <a:rPr lang="en-SG" smtClean="0"/>
-              <a:t>07/11/2016</a:t>
+              <a:t>12/11/2016</a:t>
             </a:fld>
             <a:endParaRPr lang="en-SG"/>
           </a:p>
@@ -5027,7 +5027,7 @@
           <a:p>
             <a:fld id="{25776B20-FDB1-48D6-BEAE-C0809C5C1FEA}" type="datetimeFigureOut">
               <a:rPr lang="en-SG" smtClean="0"/>
-              <a:t>07/11/2016</a:t>
+              <a:t>12/11/2016</a:t>
             </a:fld>
             <a:endParaRPr lang="en-SG"/>
           </a:p>
@@ -5197,7 +5197,7 @@
           <a:p>
             <a:fld id="{25776B20-FDB1-48D6-BEAE-C0809C5C1FEA}" type="datetimeFigureOut">
               <a:rPr lang="en-SG" smtClean="0"/>
-              <a:t>07/11/2016</a:t>
+              <a:t>12/11/2016</a:t>
             </a:fld>
             <a:endParaRPr lang="en-SG"/>
           </a:p>
@@ -5377,7 +5377,7 @@
           <a:p>
             <a:fld id="{25776B20-FDB1-48D6-BEAE-C0809C5C1FEA}" type="datetimeFigureOut">
               <a:rPr lang="en-SG" smtClean="0"/>
-              <a:t>07/11/2016</a:t>
+              <a:t>12/11/2016</a:t>
             </a:fld>
             <a:endParaRPr lang="en-SG"/>
           </a:p>
@@ -5547,7 +5547,7 @@
           <a:p>
             <a:fld id="{25776B20-FDB1-48D6-BEAE-C0809C5C1FEA}" type="datetimeFigureOut">
               <a:rPr lang="en-SG" smtClean="0"/>
-              <a:t>07/11/2016</a:t>
+              <a:t>12/11/2016</a:t>
             </a:fld>
             <a:endParaRPr lang="en-SG"/>
           </a:p>
@@ -5793,7 +5793,7 @@
           <a:p>
             <a:fld id="{25776B20-FDB1-48D6-BEAE-C0809C5C1FEA}" type="datetimeFigureOut">
               <a:rPr lang="en-SG" smtClean="0"/>
-              <a:t>07/11/2016</a:t>
+              <a:t>12/11/2016</a:t>
             </a:fld>
             <a:endParaRPr lang="en-SG"/>
           </a:p>
@@ -6025,7 +6025,7 @@
           <a:p>
             <a:fld id="{25776B20-FDB1-48D6-BEAE-C0809C5C1FEA}" type="datetimeFigureOut">
               <a:rPr lang="en-SG" smtClean="0"/>
-              <a:t>07/11/2016</a:t>
+              <a:t>12/11/2016</a:t>
             </a:fld>
             <a:endParaRPr lang="en-SG"/>
           </a:p>
@@ -6392,7 +6392,7 @@
           <a:p>
             <a:fld id="{25776B20-FDB1-48D6-BEAE-C0809C5C1FEA}" type="datetimeFigureOut">
               <a:rPr lang="en-SG" smtClean="0"/>
-              <a:t>07/11/2016</a:t>
+              <a:t>12/11/2016</a:t>
             </a:fld>
             <a:endParaRPr lang="en-SG"/>
           </a:p>
@@ -6510,7 +6510,7 @@
           <a:p>
             <a:fld id="{25776B20-FDB1-48D6-BEAE-C0809C5C1FEA}" type="datetimeFigureOut">
               <a:rPr lang="en-SG" smtClean="0"/>
-              <a:t>07/11/2016</a:t>
+              <a:t>12/11/2016</a:t>
             </a:fld>
             <a:endParaRPr lang="en-SG"/>
           </a:p>
@@ -6605,7 +6605,7 @@
           <a:p>
             <a:fld id="{25776B20-FDB1-48D6-BEAE-C0809C5C1FEA}" type="datetimeFigureOut">
               <a:rPr lang="en-SG" smtClean="0"/>
-              <a:t>07/11/2016</a:t>
+              <a:t>12/11/2016</a:t>
             </a:fld>
             <a:endParaRPr lang="en-SG"/>
           </a:p>
@@ -6882,7 +6882,7 @@
           <a:p>
             <a:fld id="{25776B20-FDB1-48D6-BEAE-C0809C5C1FEA}" type="datetimeFigureOut">
               <a:rPr lang="en-SG" smtClean="0"/>
-              <a:t>07/11/2016</a:t>
+              <a:t>12/11/2016</a:t>
             </a:fld>
             <a:endParaRPr lang="en-SG"/>
           </a:p>
@@ -7135,7 +7135,7 @@
           <a:p>
             <a:fld id="{25776B20-FDB1-48D6-BEAE-C0809C5C1FEA}" type="datetimeFigureOut">
               <a:rPr lang="en-SG" smtClean="0"/>
-              <a:t>07/11/2016</a:t>
+              <a:t>12/11/2016</a:t>
             </a:fld>
             <a:endParaRPr lang="en-SG"/>
           </a:p>
@@ -7348,7 +7348,7 @@
           <a:p>
             <a:fld id="{25776B20-FDB1-48D6-BEAE-C0809C5C1FEA}" type="datetimeFigureOut">
               <a:rPr lang="en-SG" smtClean="0"/>
-              <a:t>07/11/2016</a:t>
+              <a:t>12/11/2016</a:t>
             </a:fld>
             <a:endParaRPr lang="en-SG"/>
           </a:p>
@@ -19090,8 +19090,8 @@
         </p:nvSpPr>
         <p:spPr>
           <a:xfrm>
-            <a:off x="2885424" y="4146104"/>
-            <a:ext cx="3233436" cy="2031325"/>
+            <a:off x="2885424" y="4503776"/>
+            <a:ext cx="3233436" cy="1477328"/>
           </a:xfrm>
           <a:prstGeom prst="rect">
             <a:avLst/>
@@ -19110,27 +19110,7 @@
                   <a:schemeClr val="bg1"/>
                 </a:solidFill>
               </a:rPr>
-              <a:t>6 Oct 2016, Sunday</a:t>
-            </a:r>
-          </a:p>
-          <a:p>
-            <a:r>
-              <a:rPr lang="en-SG" dirty="0">
-                <a:solidFill>
-                  <a:schemeClr val="bg1"/>
-                </a:solidFill>
-              </a:rPr>
-              <a:t>7 Oct 2016, Monday</a:t>
-            </a:r>
-          </a:p>
-          <a:p>
-            <a:r>
-              <a:rPr lang="en-SG" dirty="0">
-                <a:solidFill>
-                  <a:schemeClr val="bg1"/>
-                </a:solidFill>
-              </a:rPr>
-              <a:t>13 Oct 2016, Sunday</a:t>
+              <a:t>14 Oct 2016, Sunday</a:t>
             </a:r>
           </a:p>
           <a:p>
@@ -19290,7 +19270,7 @@
                   <a:schemeClr val="bg1"/>
                 </a:solidFill>
               </a:rPr>
-              <a:t>Acceptance</a:t>
+              <a:t>User Testing 2</a:t>
             </a:r>
           </a:p>
           <a:p>
@@ -19300,7 +19280,7 @@
                   <a:schemeClr val="bg1"/>
                 </a:solidFill>
               </a:rPr>
-              <a:t>7 Nov 2016, Monday</a:t>
+              <a:t>12 Dec 16, Monday</a:t>
             </a:r>
           </a:p>
           <a:p>
@@ -19334,7 +19314,7 @@
         </p:blipFill>
         <p:spPr>
           <a:xfrm>
-            <a:off x="5883056" y="7211845"/>
+            <a:off x="6869420" y="4210751"/>
             <a:ext cx="885587" cy="885587"/>
           </a:xfrm>
           <a:prstGeom prst="rect">
@@ -19364,7 +19344,7 @@
         </p:blipFill>
         <p:spPr>
           <a:xfrm>
-            <a:off x="7145189" y="4146104"/>
+            <a:off x="7502784" y="7235590"/>
             <a:ext cx="886787" cy="886787"/>
           </a:xfrm>
           <a:prstGeom prst="rect">
@@ -19526,7 +19506,7 @@
                   </a:solidFill>
                   <a:latin typeface="Century Gothic" panose="020B0502020202020204" pitchFamily="34" charset="0"/>
                 </a:rPr>
-                <a:t>Sprint 2: 1 week</a:t>
+                <a:t>Sprint 4: 3.5 weeks</a:t>
               </a:r>
             </a:p>
           </p:txBody>
@@ -19593,7 +19573,7 @@
         <p:spPr>
           <a:xfrm>
             <a:off x="7155270" y="1297226"/>
-            <a:ext cx="4774064" cy="1477328"/>
+            <a:ext cx="3020379" cy="1477328"/>
           </a:xfrm>
           <a:prstGeom prst="rect">
             <a:avLst/>
@@ -19617,7 +19597,7 @@
                 </a:solidFill>
                 <a:latin typeface="Century Gothic" panose="020B0502020202020204" pitchFamily="34" charset="0"/>
               </a:rPr>
-              <a:t>Content Customization</a:t>
+              <a:t>Facilities Management</a:t>
             </a:r>
           </a:p>
           <a:p>
@@ -19632,7 +19612,7 @@
                 </a:solidFill>
                 <a:latin typeface="Century Gothic" panose="020B0502020202020204" pitchFamily="34" charset="0"/>
               </a:rPr>
-              <a:t>Visitor Screening &amp; Assisted registration</a:t>
+              <a:t>Pass Management</a:t>
             </a:r>
           </a:p>
           <a:p>
@@ -19647,7 +19627,7 @@
                 </a:solidFill>
                 <a:latin typeface="Century Gothic" panose="020B0502020202020204" pitchFamily="34" charset="0"/>
               </a:rPr>
-              <a:t>Visitor online self registration</a:t>
+              <a:t>Form Validations</a:t>
             </a:r>
           </a:p>
           <a:p>
@@ -19662,7 +19642,7 @@
                 </a:solidFill>
                 <a:latin typeface="Century Gothic" panose="020B0502020202020204" pitchFamily="34" charset="0"/>
               </a:rPr>
-              <a:t>Check-in, Check-out</a:t>
+              <a:t>Visitor Registration</a:t>
             </a:r>
           </a:p>
           <a:p>
@@ -19677,7 +19657,7 @@
                 </a:solidFill>
                 <a:latin typeface="Century Gothic" panose="020B0502020202020204" pitchFamily="34" charset="0"/>
               </a:rPr>
-              <a:t>Checkpoint scanning</a:t>
+              <a:t>Visitor Screening</a:t>
             </a:r>
           </a:p>
         </p:txBody>
@@ -19822,7 +19802,7 @@
         </p:nvSpPr>
         <p:spPr>
           <a:xfrm>
-            <a:off x="3886199" y="2363023"/>
+            <a:off x="5196016" y="2363023"/>
             <a:ext cx="171451" cy="551627"/>
           </a:xfrm>
           <a:prstGeom prst="upArrow">
